--- a/tex/fig/slidesss.pptx
+++ b/tex/fig/slidesss.pptx
@@ -17,6 +17,7 @@
     <p:sldId id="271" r:id="rId11"/>
     <p:sldId id="268" r:id="rId12"/>
     <p:sldId id="270" r:id="rId13"/>
+    <p:sldId id="272" r:id="rId14"/>
   </p:sldIdLst>
   <p:sldSz cx="12192000" cy="6858000"/>
   <p:notesSz cx="6858000" cy="9144000"/>
@@ -282,7 +283,7 @@
           <a:p>
             <a:fld id="{6875E868-0794-4BDD-BF98-B5ECD2204977}" type="datetimeFigureOut">
               <a:rPr lang="de-DE" smtClean="0"/>
-              <a:t>18.12.2018</a:t>
+              <a:t>01.01.2019</a:t>
             </a:fld>
             <a:endParaRPr lang="de-DE"/>
           </a:p>
@@ -480,7 +481,7 @@
           <a:p>
             <a:fld id="{6875E868-0794-4BDD-BF98-B5ECD2204977}" type="datetimeFigureOut">
               <a:rPr lang="de-DE" smtClean="0"/>
-              <a:t>18.12.2018</a:t>
+              <a:t>01.01.2019</a:t>
             </a:fld>
             <a:endParaRPr lang="de-DE"/>
           </a:p>
@@ -688,7 +689,7 @@
           <a:p>
             <a:fld id="{6875E868-0794-4BDD-BF98-B5ECD2204977}" type="datetimeFigureOut">
               <a:rPr lang="de-DE" smtClean="0"/>
-              <a:t>18.12.2018</a:t>
+              <a:t>01.01.2019</a:t>
             </a:fld>
             <a:endParaRPr lang="de-DE"/>
           </a:p>
@@ -886,7 +887,7 @@
           <a:p>
             <a:fld id="{6875E868-0794-4BDD-BF98-B5ECD2204977}" type="datetimeFigureOut">
               <a:rPr lang="de-DE" smtClean="0"/>
-              <a:t>18.12.2018</a:t>
+              <a:t>01.01.2019</a:t>
             </a:fld>
             <a:endParaRPr lang="de-DE"/>
           </a:p>
@@ -1161,7 +1162,7 @@
           <a:p>
             <a:fld id="{6875E868-0794-4BDD-BF98-B5ECD2204977}" type="datetimeFigureOut">
               <a:rPr lang="de-DE" smtClean="0"/>
-              <a:t>18.12.2018</a:t>
+              <a:t>01.01.2019</a:t>
             </a:fld>
             <a:endParaRPr lang="de-DE"/>
           </a:p>
@@ -1426,7 +1427,7 @@
           <a:p>
             <a:fld id="{6875E868-0794-4BDD-BF98-B5ECD2204977}" type="datetimeFigureOut">
               <a:rPr lang="de-DE" smtClean="0"/>
-              <a:t>18.12.2018</a:t>
+              <a:t>01.01.2019</a:t>
             </a:fld>
             <a:endParaRPr lang="de-DE"/>
           </a:p>
@@ -1838,7 +1839,7 @@
           <a:p>
             <a:fld id="{6875E868-0794-4BDD-BF98-B5ECD2204977}" type="datetimeFigureOut">
               <a:rPr lang="de-DE" smtClean="0"/>
-              <a:t>18.12.2018</a:t>
+              <a:t>01.01.2019</a:t>
             </a:fld>
             <a:endParaRPr lang="de-DE"/>
           </a:p>
@@ -1979,7 +1980,7 @@
           <a:p>
             <a:fld id="{6875E868-0794-4BDD-BF98-B5ECD2204977}" type="datetimeFigureOut">
               <a:rPr lang="de-DE" smtClean="0"/>
-              <a:t>18.12.2018</a:t>
+              <a:t>01.01.2019</a:t>
             </a:fld>
             <a:endParaRPr lang="de-DE"/>
           </a:p>
@@ -2092,7 +2093,7 @@
           <a:p>
             <a:fld id="{6875E868-0794-4BDD-BF98-B5ECD2204977}" type="datetimeFigureOut">
               <a:rPr lang="de-DE" smtClean="0"/>
-              <a:t>18.12.2018</a:t>
+              <a:t>01.01.2019</a:t>
             </a:fld>
             <a:endParaRPr lang="de-DE"/>
           </a:p>
@@ -2403,7 +2404,7 @@
           <a:p>
             <a:fld id="{6875E868-0794-4BDD-BF98-B5ECD2204977}" type="datetimeFigureOut">
               <a:rPr lang="de-DE" smtClean="0"/>
-              <a:t>18.12.2018</a:t>
+              <a:t>01.01.2019</a:t>
             </a:fld>
             <a:endParaRPr lang="de-DE"/>
           </a:p>
@@ -2691,7 +2692,7 @@
           <a:p>
             <a:fld id="{6875E868-0794-4BDD-BF98-B5ECD2204977}" type="datetimeFigureOut">
               <a:rPr lang="de-DE" smtClean="0"/>
-              <a:t>18.12.2018</a:t>
+              <a:t>01.01.2019</a:t>
             </a:fld>
             <a:endParaRPr lang="de-DE"/>
           </a:p>
@@ -2932,7 +2933,7 @@
           <a:p>
             <a:fld id="{6875E868-0794-4BDD-BF98-B5ECD2204977}" type="datetimeFigureOut">
               <a:rPr lang="de-DE" smtClean="0"/>
-              <a:t>18.12.2018</a:t>
+              <a:t>01.01.2019</a:t>
             </a:fld>
             <a:endParaRPr lang="de-DE"/>
           </a:p>
@@ -10442,6 +10443,96 @@
     <p:extLst>
       <p:ext uri="{BB962C8B-B14F-4D97-AF65-F5344CB8AC3E}">
         <p14:creationId xmlns:p14="http://schemas.microsoft.com/office/powerpoint/2010/main" val="2954363100"/>
+      </p:ext>
+    </p:extLst>
+  </p:cSld>
+  <p:clrMapOvr>
+    <a:masterClrMapping/>
+  </p:clrMapOvr>
+</p:sld>
+</file>
+
+<file path=ppt/slides/slide13.xml><?xml version="1.0" encoding="utf-8"?>
+<p:sld xmlns:a="http://schemas.openxmlformats.org/drawingml/2006/main" xmlns:r="http://schemas.openxmlformats.org/officeDocument/2006/relationships" xmlns:p="http://schemas.openxmlformats.org/presentationml/2006/main">
+  <p:cSld>
+    <p:spTree>
+      <p:nvGrpSpPr>
+        <p:cNvPr id="1" name=""/>
+        <p:cNvGrpSpPr/>
+        <p:nvPr/>
+      </p:nvGrpSpPr>
+      <p:grpSpPr>
+        <a:xfrm>
+          <a:off x="0" y="0"/>
+          <a:ext cx="0" cy="0"/>
+          <a:chOff x="0" y="0"/>
+          <a:chExt cx="0" cy="0"/>
+        </a:xfrm>
+      </p:grpSpPr>
+      <p:pic>
+        <p:nvPicPr>
+          <p:cNvPr id="4" name="Grafik 3">
+            <a:extLst>
+              <a:ext uri="{FF2B5EF4-FFF2-40B4-BE49-F238E27FC236}">
+                <a16:creationId xmlns:a16="http://schemas.microsoft.com/office/drawing/2014/main" id="{9C39A6A9-6239-47C8-9B71-B13B1FEED239}"/>
+              </a:ext>
+            </a:extLst>
+          </p:cNvPr>
+          <p:cNvPicPr>
+            <a:picLocks noChangeAspect="1"/>
+          </p:cNvPicPr>
+          <p:nvPr/>
+        </p:nvPicPr>
+        <p:blipFill>
+          <a:blip r:embed="rId2"/>
+          <a:stretch>
+            <a:fillRect/>
+          </a:stretch>
+        </p:blipFill>
+        <p:spPr>
+          <a:xfrm>
+            <a:off x="1971675" y="1498483"/>
+            <a:ext cx="4124325" cy="2971800"/>
+          </a:xfrm>
+          <a:prstGeom prst="rect">
+            <a:avLst/>
+          </a:prstGeom>
+        </p:spPr>
+      </p:pic>
+      <p:pic>
+        <p:nvPicPr>
+          <p:cNvPr id="6" name="Grafik 5">
+            <a:extLst>
+              <a:ext uri="{FF2B5EF4-FFF2-40B4-BE49-F238E27FC236}">
+                <a16:creationId xmlns:a16="http://schemas.microsoft.com/office/drawing/2014/main" id="{F16691B7-6714-4978-8F5B-32048660F23F}"/>
+              </a:ext>
+            </a:extLst>
+          </p:cNvPr>
+          <p:cNvPicPr>
+            <a:picLocks noChangeAspect="1"/>
+          </p:cNvPicPr>
+          <p:nvPr/>
+        </p:nvPicPr>
+        <p:blipFill>
+          <a:blip r:embed="rId3"/>
+          <a:stretch>
+            <a:fillRect/>
+          </a:stretch>
+        </p:blipFill>
+        <p:spPr>
+          <a:xfrm>
+            <a:off x="6357894" y="1498483"/>
+            <a:ext cx="3486150" cy="1533525"/>
+          </a:xfrm>
+          <a:prstGeom prst="rect">
+            <a:avLst/>
+          </a:prstGeom>
+        </p:spPr>
+      </p:pic>
+    </p:spTree>
+    <p:extLst>
+      <p:ext uri="{BB962C8B-B14F-4D97-AF65-F5344CB8AC3E}">
+        <p14:creationId xmlns:p14="http://schemas.microsoft.com/office/powerpoint/2010/main" val="2700998841"/>
       </p:ext>
     </p:extLst>
   </p:cSld>

--- a/tex/fig/slidesss.pptx
+++ b/tex/fig/slidesss.pptx
@@ -283,7 +283,7 @@
           <a:p>
             <a:fld id="{6875E868-0794-4BDD-BF98-B5ECD2204977}" type="datetimeFigureOut">
               <a:rPr lang="de-DE" smtClean="0"/>
-              <a:t>01.01.2019</a:t>
+              <a:t>02.01.2019</a:t>
             </a:fld>
             <a:endParaRPr lang="de-DE"/>
           </a:p>
@@ -481,7 +481,7 @@
           <a:p>
             <a:fld id="{6875E868-0794-4BDD-BF98-B5ECD2204977}" type="datetimeFigureOut">
               <a:rPr lang="de-DE" smtClean="0"/>
-              <a:t>01.01.2019</a:t>
+              <a:t>02.01.2019</a:t>
             </a:fld>
             <a:endParaRPr lang="de-DE"/>
           </a:p>
@@ -689,7 +689,7 @@
           <a:p>
             <a:fld id="{6875E868-0794-4BDD-BF98-B5ECD2204977}" type="datetimeFigureOut">
               <a:rPr lang="de-DE" smtClean="0"/>
-              <a:t>01.01.2019</a:t>
+              <a:t>02.01.2019</a:t>
             </a:fld>
             <a:endParaRPr lang="de-DE"/>
           </a:p>
@@ -887,7 +887,7 @@
           <a:p>
             <a:fld id="{6875E868-0794-4BDD-BF98-B5ECD2204977}" type="datetimeFigureOut">
               <a:rPr lang="de-DE" smtClean="0"/>
-              <a:t>01.01.2019</a:t>
+              <a:t>02.01.2019</a:t>
             </a:fld>
             <a:endParaRPr lang="de-DE"/>
           </a:p>
@@ -1162,7 +1162,7 @@
           <a:p>
             <a:fld id="{6875E868-0794-4BDD-BF98-B5ECD2204977}" type="datetimeFigureOut">
               <a:rPr lang="de-DE" smtClean="0"/>
-              <a:t>01.01.2019</a:t>
+              <a:t>02.01.2019</a:t>
             </a:fld>
             <a:endParaRPr lang="de-DE"/>
           </a:p>
@@ -1427,7 +1427,7 @@
           <a:p>
             <a:fld id="{6875E868-0794-4BDD-BF98-B5ECD2204977}" type="datetimeFigureOut">
               <a:rPr lang="de-DE" smtClean="0"/>
-              <a:t>01.01.2019</a:t>
+              <a:t>02.01.2019</a:t>
             </a:fld>
             <a:endParaRPr lang="de-DE"/>
           </a:p>
@@ -1839,7 +1839,7 @@
           <a:p>
             <a:fld id="{6875E868-0794-4BDD-BF98-B5ECD2204977}" type="datetimeFigureOut">
               <a:rPr lang="de-DE" smtClean="0"/>
-              <a:t>01.01.2019</a:t>
+              <a:t>02.01.2019</a:t>
             </a:fld>
             <a:endParaRPr lang="de-DE"/>
           </a:p>
@@ -1980,7 +1980,7 @@
           <a:p>
             <a:fld id="{6875E868-0794-4BDD-BF98-B5ECD2204977}" type="datetimeFigureOut">
               <a:rPr lang="de-DE" smtClean="0"/>
-              <a:t>01.01.2019</a:t>
+              <a:t>02.01.2019</a:t>
             </a:fld>
             <a:endParaRPr lang="de-DE"/>
           </a:p>
@@ -2093,7 +2093,7 @@
           <a:p>
             <a:fld id="{6875E868-0794-4BDD-BF98-B5ECD2204977}" type="datetimeFigureOut">
               <a:rPr lang="de-DE" smtClean="0"/>
-              <a:t>01.01.2019</a:t>
+              <a:t>02.01.2019</a:t>
             </a:fld>
             <a:endParaRPr lang="de-DE"/>
           </a:p>
@@ -2404,7 +2404,7 @@
           <a:p>
             <a:fld id="{6875E868-0794-4BDD-BF98-B5ECD2204977}" type="datetimeFigureOut">
               <a:rPr lang="de-DE" smtClean="0"/>
-              <a:t>01.01.2019</a:t>
+              <a:t>02.01.2019</a:t>
             </a:fld>
             <a:endParaRPr lang="de-DE"/>
           </a:p>
@@ -2692,7 +2692,7 @@
           <a:p>
             <a:fld id="{6875E868-0794-4BDD-BF98-B5ECD2204977}" type="datetimeFigureOut">
               <a:rPr lang="de-DE" smtClean="0"/>
-              <a:t>01.01.2019</a:t>
+              <a:t>02.01.2019</a:t>
             </a:fld>
             <a:endParaRPr lang="de-DE"/>
           </a:p>
@@ -2933,7 +2933,7 @@
           <a:p>
             <a:fld id="{6875E868-0794-4BDD-BF98-B5ECD2204977}" type="datetimeFigureOut">
               <a:rPr lang="de-DE" smtClean="0"/>
-              <a:t>01.01.2019</a:t>
+              <a:t>02.01.2019</a:t>
             </a:fld>
             <a:endParaRPr lang="de-DE"/>
           </a:p>

--- a/tex/fig/slidesss.pptx
+++ b/tex/fig/slidesss.pptx
@@ -16,7 +16,7 @@
     <p:sldId id="266" r:id="rId10"/>
     <p:sldId id="271" r:id="rId11"/>
     <p:sldId id="268" r:id="rId12"/>
-    <p:sldId id="270" r:id="rId13"/>
+    <p:sldId id="273" r:id="rId13"/>
     <p:sldId id="272" r:id="rId14"/>
   </p:sldIdLst>
   <p:sldSz cx="12192000" cy="6858000"/>
@@ -283,7 +283,7 @@
           <a:p>
             <a:fld id="{6875E868-0794-4BDD-BF98-B5ECD2204977}" type="datetimeFigureOut">
               <a:rPr lang="de-DE" smtClean="0"/>
-              <a:t>02.01.2019</a:t>
+              <a:t>06.01.2019</a:t>
             </a:fld>
             <a:endParaRPr lang="de-DE"/>
           </a:p>
@@ -481,7 +481,7 @@
           <a:p>
             <a:fld id="{6875E868-0794-4BDD-BF98-B5ECD2204977}" type="datetimeFigureOut">
               <a:rPr lang="de-DE" smtClean="0"/>
-              <a:t>02.01.2019</a:t>
+              <a:t>06.01.2019</a:t>
             </a:fld>
             <a:endParaRPr lang="de-DE"/>
           </a:p>
@@ -689,7 +689,7 @@
           <a:p>
             <a:fld id="{6875E868-0794-4BDD-BF98-B5ECD2204977}" type="datetimeFigureOut">
               <a:rPr lang="de-DE" smtClean="0"/>
-              <a:t>02.01.2019</a:t>
+              <a:t>06.01.2019</a:t>
             </a:fld>
             <a:endParaRPr lang="de-DE"/>
           </a:p>
@@ -887,7 +887,7 @@
           <a:p>
             <a:fld id="{6875E868-0794-4BDD-BF98-B5ECD2204977}" type="datetimeFigureOut">
               <a:rPr lang="de-DE" smtClean="0"/>
-              <a:t>02.01.2019</a:t>
+              <a:t>06.01.2019</a:t>
             </a:fld>
             <a:endParaRPr lang="de-DE"/>
           </a:p>
@@ -1162,7 +1162,7 @@
           <a:p>
             <a:fld id="{6875E868-0794-4BDD-BF98-B5ECD2204977}" type="datetimeFigureOut">
               <a:rPr lang="de-DE" smtClean="0"/>
-              <a:t>02.01.2019</a:t>
+              <a:t>06.01.2019</a:t>
             </a:fld>
             <a:endParaRPr lang="de-DE"/>
           </a:p>
@@ -1427,7 +1427,7 @@
           <a:p>
             <a:fld id="{6875E868-0794-4BDD-BF98-B5ECD2204977}" type="datetimeFigureOut">
               <a:rPr lang="de-DE" smtClean="0"/>
-              <a:t>02.01.2019</a:t>
+              <a:t>06.01.2019</a:t>
             </a:fld>
             <a:endParaRPr lang="de-DE"/>
           </a:p>
@@ -1839,7 +1839,7 @@
           <a:p>
             <a:fld id="{6875E868-0794-4BDD-BF98-B5ECD2204977}" type="datetimeFigureOut">
               <a:rPr lang="de-DE" smtClean="0"/>
-              <a:t>02.01.2019</a:t>
+              <a:t>06.01.2019</a:t>
             </a:fld>
             <a:endParaRPr lang="de-DE"/>
           </a:p>
@@ -1980,7 +1980,7 @@
           <a:p>
             <a:fld id="{6875E868-0794-4BDD-BF98-B5ECD2204977}" type="datetimeFigureOut">
               <a:rPr lang="de-DE" smtClean="0"/>
-              <a:t>02.01.2019</a:t>
+              <a:t>06.01.2019</a:t>
             </a:fld>
             <a:endParaRPr lang="de-DE"/>
           </a:p>
@@ -2093,7 +2093,7 @@
           <a:p>
             <a:fld id="{6875E868-0794-4BDD-BF98-B5ECD2204977}" type="datetimeFigureOut">
               <a:rPr lang="de-DE" smtClean="0"/>
-              <a:t>02.01.2019</a:t>
+              <a:t>06.01.2019</a:t>
             </a:fld>
             <a:endParaRPr lang="de-DE"/>
           </a:p>
@@ -2404,7 +2404,7 @@
           <a:p>
             <a:fld id="{6875E868-0794-4BDD-BF98-B5ECD2204977}" type="datetimeFigureOut">
               <a:rPr lang="de-DE" smtClean="0"/>
-              <a:t>02.01.2019</a:t>
+              <a:t>06.01.2019</a:t>
             </a:fld>
             <a:endParaRPr lang="de-DE"/>
           </a:p>
@@ -2692,7 +2692,7 @@
           <a:p>
             <a:fld id="{6875E868-0794-4BDD-BF98-B5ECD2204977}" type="datetimeFigureOut">
               <a:rPr lang="de-DE" smtClean="0"/>
-              <a:t>02.01.2019</a:t>
+              <a:t>06.01.2019</a:t>
             </a:fld>
             <a:endParaRPr lang="de-DE"/>
           </a:p>
@@ -2933,7 +2933,7 @@
           <a:p>
             <a:fld id="{6875E868-0794-4BDD-BF98-B5ECD2204977}" type="datetimeFigureOut">
               <a:rPr lang="de-DE" smtClean="0"/>
-              <a:t>02.01.2019</a:t>
+              <a:t>06.01.2019</a:t>
             </a:fld>
             <a:endParaRPr lang="de-DE"/>
           </a:p>
@@ -10411,28 +10411,69 @@
       </p:grpSpPr>
       <p:pic>
         <p:nvPicPr>
-          <p:cNvPr id="2" name="Grafik 1">
-            <a:extLst>
-              <a:ext uri="{FF2B5EF4-FFF2-40B4-BE49-F238E27FC236}">
-                <a16:creationId xmlns:a16="http://schemas.microsoft.com/office/drawing/2014/main" id="{8539155A-4E49-48D6-B5B0-B94547103053}"/>
+          <p:cNvPr id="5" name="Inhaltsplatzhalter 4">
+            <a:extLst>
+              <a:ext uri="{FF2B5EF4-FFF2-40B4-BE49-F238E27FC236}">
+                <a16:creationId xmlns:a16="http://schemas.microsoft.com/office/drawing/2014/main" id="{412A7FF3-706F-482B-B5B1-81FBBAA75590}"/>
               </a:ext>
             </a:extLst>
           </p:cNvPr>
           <p:cNvPicPr>
-            <a:picLocks noChangeAspect="1"/>
+            <a:picLocks noGrp="1" noChangeAspect="1"/>
           </p:cNvPicPr>
-          <p:nvPr/>
+          <p:nvPr>
+            <p:ph idx="1"/>
+          </p:nvPr>
         </p:nvPicPr>
         <p:blipFill>
-          <a:blip r:embed="rId2"/>
+          <a:blip r:embed="rId2">
+            <a:extLst>
+              <a:ext uri="{28A0092B-C50C-407E-A947-70E740481C1C}">
+                <a14:useLocalDpi xmlns:a14="http://schemas.microsoft.com/office/drawing/2010/main" val="0"/>
+              </a:ext>
+            </a:extLst>
+          </a:blip>
           <a:stretch>
             <a:fillRect/>
           </a:stretch>
         </p:blipFill>
         <p:spPr>
           <a:xfrm>
-            <a:off x="2962275" y="2071687"/>
-            <a:ext cx="6267450" cy="2714625"/>
+            <a:off x="4464247" y="-29874"/>
+            <a:ext cx="5215461" cy="6953949"/>
+          </a:xfrm>
+        </p:spPr>
+      </p:pic>
+      <p:pic>
+        <p:nvPicPr>
+          <p:cNvPr id="7" name="Grafik 6">
+            <a:extLst>
+              <a:ext uri="{FF2B5EF4-FFF2-40B4-BE49-F238E27FC236}">
+                <a16:creationId xmlns:a16="http://schemas.microsoft.com/office/drawing/2014/main" id="{57FF7741-5D22-405C-BD61-691DF89661A1}"/>
+              </a:ext>
+            </a:extLst>
+          </p:cNvPr>
+          <p:cNvPicPr>
+            <a:picLocks noChangeAspect="1"/>
+          </p:cNvPicPr>
+          <p:nvPr/>
+        </p:nvPicPr>
+        <p:blipFill>
+          <a:blip r:embed="rId3">
+            <a:extLst>
+              <a:ext uri="{28A0092B-C50C-407E-A947-70E740481C1C}">
+                <a14:useLocalDpi xmlns:a14="http://schemas.microsoft.com/office/drawing/2010/main" val="0"/>
+              </a:ext>
+            </a:extLst>
+          </a:blip>
+          <a:stretch>
+            <a:fillRect/>
+          </a:stretch>
+        </p:blipFill>
+        <p:spPr>
+          <a:xfrm>
+            <a:off x="254000" y="0"/>
+            <a:ext cx="4572000" cy="6858000"/>
           </a:xfrm>
           <a:prstGeom prst="rect">
             <a:avLst/>
@@ -10442,7 +10483,7 @@
     </p:spTree>
     <p:extLst>
       <p:ext uri="{BB962C8B-B14F-4D97-AF65-F5344CB8AC3E}">
-        <p14:creationId xmlns:p14="http://schemas.microsoft.com/office/powerpoint/2010/main" val="2954363100"/>
+        <p14:creationId xmlns:p14="http://schemas.microsoft.com/office/powerpoint/2010/main" val="1073398319"/>
       </p:ext>
     </p:extLst>
   </p:cSld>

--- a/tex/fig/slidesss.pptx
+++ b/tex/fig/slidesss.pptx
@@ -18,6 +18,8 @@
     <p:sldId id="268" r:id="rId12"/>
     <p:sldId id="273" r:id="rId13"/>
     <p:sldId id="272" r:id="rId14"/>
+    <p:sldId id="274" r:id="rId15"/>
+    <p:sldId id="275" r:id="rId16"/>
   </p:sldIdLst>
   <p:sldSz cx="12192000" cy="6858000"/>
   <p:notesSz cx="6858000" cy="9144000"/>
@@ -283,7 +285,7 @@
           <a:p>
             <a:fld id="{6875E868-0794-4BDD-BF98-B5ECD2204977}" type="datetimeFigureOut">
               <a:rPr lang="de-DE" smtClean="0"/>
-              <a:t>06.01.2019</a:t>
+              <a:t>07.01.2019</a:t>
             </a:fld>
             <a:endParaRPr lang="de-DE"/>
           </a:p>
@@ -481,7 +483,7 @@
           <a:p>
             <a:fld id="{6875E868-0794-4BDD-BF98-B5ECD2204977}" type="datetimeFigureOut">
               <a:rPr lang="de-DE" smtClean="0"/>
-              <a:t>06.01.2019</a:t>
+              <a:t>07.01.2019</a:t>
             </a:fld>
             <a:endParaRPr lang="de-DE"/>
           </a:p>
@@ -689,7 +691,7 @@
           <a:p>
             <a:fld id="{6875E868-0794-4BDD-BF98-B5ECD2204977}" type="datetimeFigureOut">
               <a:rPr lang="de-DE" smtClean="0"/>
-              <a:t>06.01.2019</a:t>
+              <a:t>07.01.2019</a:t>
             </a:fld>
             <a:endParaRPr lang="de-DE"/>
           </a:p>
@@ -887,7 +889,7 @@
           <a:p>
             <a:fld id="{6875E868-0794-4BDD-BF98-B5ECD2204977}" type="datetimeFigureOut">
               <a:rPr lang="de-DE" smtClean="0"/>
-              <a:t>06.01.2019</a:t>
+              <a:t>07.01.2019</a:t>
             </a:fld>
             <a:endParaRPr lang="de-DE"/>
           </a:p>
@@ -1162,7 +1164,7 @@
           <a:p>
             <a:fld id="{6875E868-0794-4BDD-BF98-B5ECD2204977}" type="datetimeFigureOut">
               <a:rPr lang="de-DE" smtClean="0"/>
-              <a:t>06.01.2019</a:t>
+              <a:t>07.01.2019</a:t>
             </a:fld>
             <a:endParaRPr lang="de-DE"/>
           </a:p>
@@ -1427,7 +1429,7 @@
           <a:p>
             <a:fld id="{6875E868-0794-4BDD-BF98-B5ECD2204977}" type="datetimeFigureOut">
               <a:rPr lang="de-DE" smtClean="0"/>
-              <a:t>06.01.2019</a:t>
+              <a:t>07.01.2019</a:t>
             </a:fld>
             <a:endParaRPr lang="de-DE"/>
           </a:p>
@@ -1839,7 +1841,7 @@
           <a:p>
             <a:fld id="{6875E868-0794-4BDD-BF98-B5ECD2204977}" type="datetimeFigureOut">
               <a:rPr lang="de-DE" smtClean="0"/>
-              <a:t>06.01.2019</a:t>
+              <a:t>07.01.2019</a:t>
             </a:fld>
             <a:endParaRPr lang="de-DE"/>
           </a:p>
@@ -1980,7 +1982,7 @@
           <a:p>
             <a:fld id="{6875E868-0794-4BDD-BF98-B5ECD2204977}" type="datetimeFigureOut">
               <a:rPr lang="de-DE" smtClean="0"/>
-              <a:t>06.01.2019</a:t>
+              <a:t>07.01.2019</a:t>
             </a:fld>
             <a:endParaRPr lang="de-DE"/>
           </a:p>
@@ -2093,7 +2095,7 @@
           <a:p>
             <a:fld id="{6875E868-0794-4BDD-BF98-B5ECD2204977}" type="datetimeFigureOut">
               <a:rPr lang="de-DE" smtClean="0"/>
-              <a:t>06.01.2019</a:t>
+              <a:t>07.01.2019</a:t>
             </a:fld>
             <a:endParaRPr lang="de-DE"/>
           </a:p>
@@ -2404,7 +2406,7 @@
           <a:p>
             <a:fld id="{6875E868-0794-4BDD-BF98-B5ECD2204977}" type="datetimeFigureOut">
               <a:rPr lang="de-DE" smtClean="0"/>
-              <a:t>06.01.2019</a:t>
+              <a:t>07.01.2019</a:t>
             </a:fld>
             <a:endParaRPr lang="de-DE"/>
           </a:p>
@@ -2692,7 +2694,7 @@
           <a:p>
             <a:fld id="{6875E868-0794-4BDD-BF98-B5ECD2204977}" type="datetimeFigureOut">
               <a:rPr lang="de-DE" smtClean="0"/>
-              <a:t>06.01.2019</a:t>
+              <a:t>07.01.2019</a:t>
             </a:fld>
             <a:endParaRPr lang="de-DE"/>
           </a:p>
@@ -2933,7 +2935,7 @@
           <a:p>
             <a:fld id="{6875E868-0794-4BDD-BF98-B5ECD2204977}" type="datetimeFigureOut">
               <a:rPr lang="de-DE" smtClean="0"/>
-              <a:t>06.01.2019</a:t>
+              <a:t>07.01.2019</a:t>
             </a:fld>
             <a:endParaRPr lang="de-DE"/>
           </a:p>
@@ -10574,6 +10576,226 @@
     <p:extLst>
       <p:ext uri="{BB962C8B-B14F-4D97-AF65-F5344CB8AC3E}">
         <p14:creationId xmlns:p14="http://schemas.microsoft.com/office/powerpoint/2010/main" val="2700998841"/>
+      </p:ext>
+    </p:extLst>
+  </p:cSld>
+  <p:clrMapOvr>
+    <a:masterClrMapping/>
+  </p:clrMapOvr>
+</p:sld>
+</file>
+
+<file path=ppt/slides/slide14.xml><?xml version="1.0" encoding="utf-8"?>
+<p:sld xmlns:a="http://schemas.openxmlformats.org/drawingml/2006/main" xmlns:r="http://schemas.openxmlformats.org/officeDocument/2006/relationships" xmlns:p="http://schemas.openxmlformats.org/presentationml/2006/main">
+  <p:cSld>
+    <p:spTree>
+      <p:nvGrpSpPr>
+        <p:cNvPr id="1" name=""/>
+        <p:cNvGrpSpPr/>
+        <p:nvPr/>
+      </p:nvGrpSpPr>
+      <p:grpSpPr>
+        <a:xfrm>
+          <a:off x="0" y="0"/>
+          <a:ext cx="0" cy="0"/>
+          <a:chOff x="0" y="0"/>
+          <a:chExt cx="0" cy="0"/>
+        </a:xfrm>
+      </p:grpSpPr>
+      <p:sp>
+        <p:nvSpPr>
+          <p:cNvPr id="2" name="Titel 1">
+            <a:extLst>
+              <a:ext uri="{FF2B5EF4-FFF2-40B4-BE49-F238E27FC236}">
+                <a16:creationId xmlns:a16="http://schemas.microsoft.com/office/drawing/2014/main" id="{8F132739-B168-4A6E-8640-984E7A6C9C19}"/>
+              </a:ext>
+            </a:extLst>
+          </p:cNvPr>
+          <p:cNvSpPr>
+            <a:spLocks noGrp="1"/>
+          </p:cNvSpPr>
+          <p:nvPr>
+            <p:ph type="title"/>
+          </p:nvPr>
+        </p:nvSpPr>
+        <p:spPr/>
+        <p:txBody>
+          <a:bodyPr/>
+          <a:lstStyle/>
+          <a:p>
+            <a:endParaRPr lang="de-DE"/>
+          </a:p>
+        </p:txBody>
+      </p:sp>
+      <p:sp>
+        <p:nvSpPr>
+          <p:cNvPr id="3" name="Inhaltsplatzhalter 2">
+            <a:extLst>
+              <a:ext uri="{FF2B5EF4-FFF2-40B4-BE49-F238E27FC236}">
+                <a16:creationId xmlns:a16="http://schemas.microsoft.com/office/drawing/2014/main" id="{E0F85F69-4CE9-491E-901C-B1E3A4D7E9F7}"/>
+              </a:ext>
+            </a:extLst>
+          </p:cNvPr>
+          <p:cNvSpPr>
+            <a:spLocks noGrp="1"/>
+          </p:cNvSpPr>
+          <p:nvPr>
+            <p:ph idx="1"/>
+          </p:nvPr>
+        </p:nvSpPr>
+        <p:spPr/>
+        <p:txBody>
+          <a:bodyPr/>
+          <a:lstStyle/>
+          <a:p>
+            <a:endParaRPr lang="de-DE"/>
+          </a:p>
+        </p:txBody>
+      </p:sp>
+      <p:pic>
+        <p:nvPicPr>
+          <p:cNvPr id="6" name="Grafik 5">
+            <a:extLst>
+              <a:ext uri="{FF2B5EF4-FFF2-40B4-BE49-F238E27FC236}">
+                <a16:creationId xmlns:a16="http://schemas.microsoft.com/office/drawing/2014/main" id="{ECF5CE71-67AA-4807-ABF6-8A12E5445651}"/>
+              </a:ext>
+            </a:extLst>
+          </p:cNvPr>
+          <p:cNvPicPr>
+            <a:picLocks noChangeAspect="1"/>
+          </p:cNvPicPr>
+          <p:nvPr/>
+        </p:nvPicPr>
+        <p:blipFill>
+          <a:blip r:embed="rId2"/>
+          <a:stretch>
+            <a:fillRect/>
+          </a:stretch>
+        </p:blipFill>
+        <p:spPr>
+          <a:xfrm>
+            <a:off x="0" y="0"/>
+            <a:ext cx="12192000" cy="6858000"/>
+          </a:xfrm>
+          <a:prstGeom prst="rect">
+            <a:avLst/>
+          </a:prstGeom>
+        </p:spPr>
+      </p:pic>
+    </p:spTree>
+    <p:extLst>
+      <p:ext uri="{BB962C8B-B14F-4D97-AF65-F5344CB8AC3E}">
+        <p14:creationId xmlns:p14="http://schemas.microsoft.com/office/powerpoint/2010/main" val="2513846484"/>
+      </p:ext>
+    </p:extLst>
+  </p:cSld>
+  <p:clrMapOvr>
+    <a:masterClrMapping/>
+  </p:clrMapOvr>
+</p:sld>
+</file>
+
+<file path=ppt/slides/slide15.xml><?xml version="1.0" encoding="utf-8"?>
+<p:sld xmlns:a="http://schemas.openxmlformats.org/drawingml/2006/main" xmlns:r="http://schemas.openxmlformats.org/officeDocument/2006/relationships" xmlns:p="http://schemas.openxmlformats.org/presentationml/2006/main">
+  <p:cSld>
+    <p:spTree>
+      <p:nvGrpSpPr>
+        <p:cNvPr id="1" name=""/>
+        <p:cNvGrpSpPr/>
+        <p:nvPr/>
+      </p:nvGrpSpPr>
+      <p:grpSpPr>
+        <a:xfrm>
+          <a:off x="0" y="0"/>
+          <a:ext cx="0" cy="0"/>
+          <a:chOff x="0" y="0"/>
+          <a:chExt cx="0" cy="0"/>
+        </a:xfrm>
+      </p:grpSpPr>
+      <p:sp>
+        <p:nvSpPr>
+          <p:cNvPr id="2" name="Titel 1">
+            <a:extLst>
+              <a:ext uri="{FF2B5EF4-FFF2-40B4-BE49-F238E27FC236}">
+                <a16:creationId xmlns:a16="http://schemas.microsoft.com/office/drawing/2014/main" id="{62E92AF2-B96C-44FC-BBBB-6B56CA0D084E}"/>
+              </a:ext>
+            </a:extLst>
+          </p:cNvPr>
+          <p:cNvSpPr>
+            <a:spLocks noGrp="1"/>
+          </p:cNvSpPr>
+          <p:nvPr>
+            <p:ph type="title"/>
+          </p:nvPr>
+        </p:nvSpPr>
+        <p:spPr/>
+        <p:txBody>
+          <a:bodyPr/>
+          <a:lstStyle/>
+          <a:p>
+            <a:endParaRPr lang="de-DE"/>
+          </a:p>
+        </p:txBody>
+      </p:sp>
+      <p:sp>
+        <p:nvSpPr>
+          <p:cNvPr id="3" name="Inhaltsplatzhalter 2">
+            <a:extLst>
+              <a:ext uri="{FF2B5EF4-FFF2-40B4-BE49-F238E27FC236}">
+                <a16:creationId xmlns:a16="http://schemas.microsoft.com/office/drawing/2014/main" id="{F7840AA3-A8AC-4711-92C9-8F685D132800}"/>
+              </a:ext>
+            </a:extLst>
+          </p:cNvPr>
+          <p:cNvSpPr>
+            <a:spLocks noGrp="1"/>
+          </p:cNvSpPr>
+          <p:nvPr>
+            <p:ph idx="1"/>
+          </p:nvPr>
+        </p:nvSpPr>
+        <p:spPr/>
+        <p:txBody>
+          <a:bodyPr/>
+          <a:lstStyle/>
+          <a:p>
+            <a:endParaRPr lang="de-DE"/>
+          </a:p>
+        </p:txBody>
+      </p:sp>
+      <p:pic>
+        <p:nvPicPr>
+          <p:cNvPr id="5" name="Grafik 4">
+            <a:extLst>
+              <a:ext uri="{FF2B5EF4-FFF2-40B4-BE49-F238E27FC236}">
+                <a16:creationId xmlns:a16="http://schemas.microsoft.com/office/drawing/2014/main" id="{F7F3942F-E9FC-43BF-9D3B-9C028FC4C3AD}"/>
+              </a:ext>
+            </a:extLst>
+          </p:cNvPr>
+          <p:cNvPicPr>
+            <a:picLocks noChangeAspect="1"/>
+          </p:cNvPicPr>
+          <p:nvPr/>
+        </p:nvPicPr>
+        <p:blipFill>
+          <a:blip r:embed="rId2"/>
+          <a:stretch>
+            <a:fillRect/>
+          </a:stretch>
+        </p:blipFill>
+        <p:spPr>
+          <a:xfrm>
+            <a:off x="0" y="0"/>
+            <a:ext cx="12192000" cy="6858000"/>
+          </a:xfrm>
+          <a:prstGeom prst="rect">
+            <a:avLst/>
+          </a:prstGeom>
+        </p:spPr>
+      </p:pic>
+    </p:spTree>
+    <p:extLst>
+      <p:ext uri="{BB962C8B-B14F-4D97-AF65-F5344CB8AC3E}">
+        <p14:creationId xmlns:p14="http://schemas.microsoft.com/office/powerpoint/2010/main" val="2773597116"/>
       </p:ext>
     </p:extLst>
   </p:cSld>

--- a/tex/fig/slidesss.pptx
+++ b/tex/fig/slidesss.pptx
@@ -285,7 +285,7 @@
           <a:p>
             <a:fld id="{6875E868-0794-4BDD-BF98-B5ECD2204977}" type="datetimeFigureOut">
               <a:rPr lang="de-DE" smtClean="0"/>
-              <a:t>07.01.2019</a:t>
+              <a:t>08.01.2019</a:t>
             </a:fld>
             <a:endParaRPr lang="de-DE"/>
           </a:p>
@@ -483,7 +483,7 @@
           <a:p>
             <a:fld id="{6875E868-0794-4BDD-BF98-B5ECD2204977}" type="datetimeFigureOut">
               <a:rPr lang="de-DE" smtClean="0"/>
-              <a:t>07.01.2019</a:t>
+              <a:t>08.01.2019</a:t>
             </a:fld>
             <a:endParaRPr lang="de-DE"/>
           </a:p>
@@ -691,7 +691,7 @@
           <a:p>
             <a:fld id="{6875E868-0794-4BDD-BF98-B5ECD2204977}" type="datetimeFigureOut">
               <a:rPr lang="de-DE" smtClean="0"/>
-              <a:t>07.01.2019</a:t>
+              <a:t>08.01.2019</a:t>
             </a:fld>
             <a:endParaRPr lang="de-DE"/>
           </a:p>
@@ -889,7 +889,7 @@
           <a:p>
             <a:fld id="{6875E868-0794-4BDD-BF98-B5ECD2204977}" type="datetimeFigureOut">
               <a:rPr lang="de-DE" smtClean="0"/>
-              <a:t>07.01.2019</a:t>
+              <a:t>08.01.2019</a:t>
             </a:fld>
             <a:endParaRPr lang="de-DE"/>
           </a:p>
@@ -1164,7 +1164,7 @@
           <a:p>
             <a:fld id="{6875E868-0794-4BDD-BF98-B5ECD2204977}" type="datetimeFigureOut">
               <a:rPr lang="de-DE" smtClean="0"/>
-              <a:t>07.01.2019</a:t>
+              <a:t>08.01.2019</a:t>
             </a:fld>
             <a:endParaRPr lang="de-DE"/>
           </a:p>
@@ -1429,7 +1429,7 @@
           <a:p>
             <a:fld id="{6875E868-0794-4BDD-BF98-B5ECD2204977}" type="datetimeFigureOut">
               <a:rPr lang="de-DE" smtClean="0"/>
-              <a:t>07.01.2019</a:t>
+              <a:t>08.01.2019</a:t>
             </a:fld>
             <a:endParaRPr lang="de-DE"/>
           </a:p>
@@ -1841,7 +1841,7 @@
           <a:p>
             <a:fld id="{6875E868-0794-4BDD-BF98-B5ECD2204977}" type="datetimeFigureOut">
               <a:rPr lang="de-DE" smtClean="0"/>
-              <a:t>07.01.2019</a:t>
+              <a:t>08.01.2019</a:t>
             </a:fld>
             <a:endParaRPr lang="de-DE"/>
           </a:p>
@@ -1982,7 +1982,7 @@
           <a:p>
             <a:fld id="{6875E868-0794-4BDD-BF98-B5ECD2204977}" type="datetimeFigureOut">
               <a:rPr lang="de-DE" smtClean="0"/>
-              <a:t>07.01.2019</a:t>
+              <a:t>08.01.2019</a:t>
             </a:fld>
             <a:endParaRPr lang="de-DE"/>
           </a:p>
@@ -2095,7 +2095,7 @@
           <a:p>
             <a:fld id="{6875E868-0794-4BDD-BF98-B5ECD2204977}" type="datetimeFigureOut">
               <a:rPr lang="de-DE" smtClean="0"/>
-              <a:t>07.01.2019</a:t>
+              <a:t>08.01.2019</a:t>
             </a:fld>
             <a:endParaRPr lang="de-DE"/>
           </a:p>
@@ -2406,7 +2406,7 @@
           <a:p>
             <a:fld id="{6875E868-0794-4BDD-BF98-B5ECD2204977}" type="datetimeFigureOut">
               <a:rPr lang="de-DE" smtClean="0"/>
-              <a:t>07.01.2019</a:t>
+              <a:t>08.01.2019</a:t>
             </a:fld>
             <a:endParaRPr lang="de-DE"/>
           </a:p>
@@ -2694,7 +2694,7 @@
           <a:p>
             <a:fld id="{6875E868-0794-4BDD-BF98-B5ECD2204977}" type="datetimeFigureOut">
               <a:rPr lang="de-DE" smtClean="0"/>
-              <a:t>07.01.2019</a:t>
+              <a:t>08.01.2019</a:t>
             </a:fld>
             <a:endParaRPr lang="de-DE"/>
           </a:p>
@@ -2935,7 +2935,7 @@
           <a:p>
             <a:fld id="{6875E868-0794-4BDD-BF98-B5ECD2204977}" type="datetimeFigureOut">
               <a:rPr lang="de-DE" smtClean="0"/>
-              <a:t>07.01.2019</a:t>
+              <a:t>08.01.2019</a:t>
             </a:fld>
             <a:endParaRPr lang="de-DE"/>
           </a:p>
@@ -11084,7 +11084,7 @@
         <p:spPr>
           <a:xfrm>
             <a:off x="992579" y="4122588"/>
-            <a:ext cx="4300023" cy="1200329"/>
+            <a:ext cx="4212885" cy="1200329"/>
           </a:xfrm>
           <a:prstGeom prst="rect">
             <a:avLst/>
@@ -11113,7 +11113,7 @@
           <a:p>
             <a:r>
               <a:rPr lang="de-DE" dirty="0"/>
-              <a:t>True Negatives are removed from Result Set</a:t>
+              <a:t>True negatives are removed from result set</a:t>
             </a:r>
           </a:p>
         </p:txBody>
@@ -11977,7 +11977,7 @@
         <p:spPr>
           <a:xfrm>
             <a:off x="6096000" y="4122588"/>
-            <a:ext cx="4300023" cy="1200329"/>
+            <a:ext cx="4212885" cy="1200329"/>
           </a:xfrm>
           <a:prstGeom prst="rect">
             <a:avLst/>
@@ -12006,7 +12006,7 @@
           <a:p>
             <a:r>
               <a:rPr lang="de-DE" dirty="0"/>
-              <a:t>True Negatives are removed from Result Set</a:t>
+              <a:t>True negatives are removed from result set</a:t>
             </a:r>
           </a:p>
         </p:txBody>
@@ -13622,24 +13622,6 @@
                       </a:rPr>
                       <m:t> </m:t>
                     </m:r>
-                    <m:r>
-                      <a:rPr lang="de-DE" dirty="0" smtClean="0">
-                        <a:solidFill>
-                          <a:schemeClr val="tx1"/>
-                        </a:solidFill>
-                        <a:latin typeface="Cambria Math" panose="02040503050406030204" pitchFamily="18" charset="0"/>
-                      </a:rPr>
-                      <m:t>+</m:t>
-                    </m:r>
-                    <m:r>
-                      <a:rPr lang="de-DE" i="1" dirty="0" smtClean="0">
-                        <a:solidFill>
-                          <a:schemeClr val="tx1"/>
-                        </a:solidFill>
-                        <a:latin typeface="Cambria Math" panose="02040503050406030204" pitchFamily="18" charset="0"/>
-                      </a:rPr>
-                      <m:t>𝑐</m:t>
-                    </m:r>
                   </m:oMath>
                 </a14:m>
                 <a:r>
@@ -14012,8 +13994,8 @@
             </p:nvSpPr>
             <p:spPr>
               <a:xfrm>
-                <a:off x="6486052" y="4541580"/>
-                <a:ext cx="1182848" cy="436690"/>
+                <a:off x="6358251" y="4541580"/>
+                <a:ext cx="1446499" cy="436690"/>
               </a:xfrm>
               <a:prstGeom prst="rect">
                 <a:avLst/>
@@ -14091,6 +14073,33 @@
                       </a:rPr>
                       <m:t> </m:t>
                     </m:r>
+                    <m:r>
+                      <a:rPr lang="de-DE" b="0" i="1" dirty="0" smtClean="0">
+                        <a:solidFill>
+                          <a:schemeClr val="tx1"/>
+                        </a:solidFill>
+                        <a:latin typeface="Cambria Math" panose="02040503050406030204" pitchFamily="18" charset="0"/>
+                      </a:rPr>
+                      <m:t>−</m:t>
+                    </m:r>
+                    <m:r>
+                      <a:rPr lang="de-DE" b="0" i="1" dirty="0" smtClean="0">
+                        <a:solidFill>
+                          <a:schemeClr val="tx1"/>
+                        </a:solidFill>
+                        <a:latin typeface="Cambria Math" panose="02040503050406030204" pitchFamily="18" charset="0"/>
+                      </a:rPr>
+                      <m:t>𝑑</m:t>
+                    </m:r>
+                    <m:r>
+                      <a:rPr lang="de-DE" b="0" i="1" dirty="0" smtClean="0">
+                        <a:solidFill>
+                          <a:schemeClr val="tx1"/>
+                        </a:solidFill>
+                        <a:latin typeface="Cambria Math" panose="02040503050406030204" pitchFamily="18" charset="0"/>
+                      </a:rPr>
+                      <m:t> </m:t>
+                    </m:r>
                   </m:oMath>
                 </a14:m>
                 <a:r>
@@ -14127,8 +14136,8 @@
             </p:nvSpPr>
             <p:spPr>
               <a:xfrm>
-                <a:off x="6486052" y="4541580"/>
-                <a:ext cx="1182848" cy="436690"/>
+                <a:off x="6358251" y="4541580"/>
+                <a:ext cx="1446499" cy="436690"/>
               </a:xfrm>
               <a:prstGeom prst="rect">
                 <a:avLst/>
@@ -14368,9 +14377,9 @@
           <p:nvPr/>
         </p:nvCxnSpPr>
         <p:spPr>
-          <a:xfrm flipH="1">
-            <a:off x="7077476" y="3744943"/>
-            <a:ext cx="1" cy="796637"/>
+          <a:xfrm>
+            <a:off x="7077477" y="3744943"/>
+            <a:ext cx="4024" cy="796637"/>
           </a:xfrm>
           <a:prstGeom prst="line">
             <a:avLst/>
@@ -15576,10 +15585,13 @@
                         <m:t>−</m:t>
                       </m:r>
                       <m:r>
-                        <a:rPr lang="de-DE" i="1" dirty="0">
+                        <m:rPr>
+                          <m:sty m:val="p"/>
+                        </m:rPr>
+                        <a:rPr lang="de-DE" b="0" i="0" dirty="0" smtClean="0">
                           <a:latin typeface="Cambria Math" panose="02040503050406030204" pitchFamily="18" charset="0"/>
                         </a:rPr>
-                        <m:t>𝑐</m:t>
+                        <m:t>d</m:t>
                       </m:r>
                     </m:oMath>
                   </m:oMathPara>
@@ -15620,7 +15632,7 @@
               <a:blipFill>
                 <a:blip r:embed="rId12"/>
                 <a:stretch>
-                  <a:fillRect r="-4478"/>
+                  <a:fillRect r="-16418"/>
                 </a:stretch>
               </a:blipFill>
             </p:spPr>

--- a/tex/fig/slidesss.pptx
+++ b/tex/fig/slidesss.pptx
@@ -21,6 +21,7 @@
     <p:sldId id="272" r:id="rId15"/>
     <p:sldId id="274" r:id="rId16"/>
     <p:sldId id="275" r:id="rId17"/>
+    <p:sldId id="277" r:id="rId18"/>
   </p:sldIdLst>
   <p:sldSz cx="12192000" cy="6858000"/>
   <p:notesSz cx="6858000" cy="9144000"/>
@@ -286,7 +287,7 @@
           <a:p>
             <a:fld id="{6875E868-0794-4BDD-BF98-B5ECD2204977}" type="datetimeFigureOut">
               <a:rPr lang="de-DE" smtClean="0"/>
-              <a:t>11.01.2019</a:t>
+              <a:t>12.01.2019</a:t>
             </a:fld>
             <a:endParaRPr lang="de-DE"/>
           </a:p>
@@ -484,7 +485,7 @@
           <a:p>
             <a:fld id="{6875E868-0794-4BDD-BF98-B5ECD2204977}" type="datetimeFigureOut">
               <a:rPr lang="de-DE" smtClean="0"/>
-              <a:t>11.01.2019</a:t>
+              <a:t>12.01.2019</a:t>
             </a:fld>
             <a:endParaRPr lang="de-DE"/>
           </a:p>
@@ -692,7 +693,7 @@
           <a:p>
             <a:fld id="{6875E868-0794-4BDD-BF98-B5ECD2204977}" type="datetimeFigureOut">
               <a:rPr lang="de-DE" smtClean="0"/>
-              <a:t>11.01.2019</a:t>
+              <a:t>12.01.2019</a:t>
             </a:fld>
             <a:endParaRPr lang="de-DE"/>
           </a:p>
@@ -890,7 +891,7 @@
           <a:p>
             <a:fld id="{6875E868-0794-4BDD-BF98-B5ECD2204977}" type="datetimeFigureOut">
               <a:rPr lang="de-DE" smtClean="0"/>
-              <a:t>11.01.2019</a:t>
+              <a:t>12.01.2019</a:t>
             </a:fld>
             <a:endParaRPr lang="de-DE"/>
           </a:p>
@@ -1165,7 +1166,7 @@
           <a:p>
             <a:fld id="{6875E868-0794-4BDD-BF98-B5ECD2204977}" type="datetimeFigureOut">
               <a:rPr lang="de-DE" smtClean="0"/>
-              <a:t>11.01.2019</a:t>
+              <a:t>12.01.2019</a:t>
             </a:fld>
             <a:endParaRPr lang="de-DE"/>
           </a:p>
@@ -1430,7 +1431,7 @@
           <a:p>
             <a:fld id="{6875E868-0794-4BDD-BF98-B5ECD2204977}" type="datetimeFigureOut">
               <a:rPr lang="de-DE" smtClean="0"/>
-              <a:t>11.01.2019</a:t>
+              <a:t>12.01.2019</a:t>
             </a:fld>
             <a:endParaRPr lang="de-DE"/>
           </a:p>
@@ -1842,7 +1843,7 @@
           <a:p>
             <a:fld id="{6875E868-0794-4BDD-BF98-B5ECD2204977}" type="datetimeFigureOut">
               <a:rPr lang="de-DE" smtClean="0"/>
-              <a:t>11.01.2019</a:t>
+              <a:t>12.01.2019</a:t>
             </a:fld>
             <a:endParaRPr lang="de-DE"/>
           </a:p>
@@ -1983,7 +1984,7 @@
           <a:p>
             <a:fld id="{6875E868-0794-4BDD-BF98-B5ECD2204977}" type="datetimeFigureOut">
               <a:rPr lang="de-DE" smtClean="0"/>
-              <a:t>11.01.2019</a:t>
+              <a:t>12.01.2019</a:t>
             </a:fld>
             <a:endParaRPr lang="de-DE"/>
           </a:p>
@@ -2096,7 +2097,7 @@
           <a:p>
             <a:fld id="{6875E868-0794-4BDD-BF98-B5ECD2204977}" type="datetimeFigureOut">
               <a:rPr lang="de-DE" smtClean="0"/>
-              <a:t>11.01.2019</a:t>
+              <a:t>12.01.2019</a:t>
             </a:fld>
             <a:endParaRPr lang="de-DE"/>
           </a:p>
@@ -2407,7 +2408,7 @@
           <a:p>
             <a:fld id="{6875E868-0794-4BDD-BF98-B5ECD2204977}" type="datetimeFigureOut">
               <a:rPr lang="de-DE" smtClean="0"/>
-              <a:t>11.01.2019</a:t>
+              <a:t>12.01.2019</a:t>
             </a:fld>
             <a:endParaRPr lang="de-DE"/>
           </a:p>
@@ -2695,7 +2696,7 @@
           <a:p>
             <a:fld id="{6875E868-0794-4BDD-BF98-B5ECD2204977}" type="datetimeFigureOut">
               <a:rPr lang="de-DE" smtClean="0"/>
-              <a:t>11.01.2019</a:t>
+              <a:t>12.01.2019</a:t>
             </a:fld>
             <a:endParaRPr lang="de-DE"/>
           </a:p>
@@ -2936,7 +2937,7 @@
           <a:p>
             <a:fld id="{6875E868-0794-4BDD-BF98-B5ECD2204977}" type="datetimeFigureOut">
               <a:rPr lang="de-DE" smtClean="0"/>
-              <a:t>11.01.2019</a:t>
+              <a:t>12.01.2019</a:t>
             </a:fld>
             <a:endParaRPr lang="de-DE"/>
           </a:p>
@@ -12491,6 +12492,161 @@
     <p:extLst>
       <p:ext uri="{BB962C8B-B14F-4D97-AF65-F5344CB8AC3E}">
         <p14:creationId xmlns:p14="http://schemas.microsoft.com/office/powerpoint/2010/main" val="2773597116"/>
+      </p:ext>
+    </p:extLst>
+  </p:cSld>
+  <p:clrMapOvr>
+    <a:masterClrMapping/>
+  </p:clrMapOvr>
+</p:sld>
+</file>
+
+<file path=ppt/slides/slide17.xml><?xml version="1.0" encoding="utf-8"?>
+<p:sld xmlns:a="http://schemas.openxmlformats.org/drawingml/2006/main" xmlns:r="http://schemas.openxmlformats.org/officeDocument/2006/relationships" xmlns:p="http://schemas.openxmlformats.org/presentationml/2006/main">
+  <p:cSld>
+    <p:spTree>
+      <p:nvGrpSpPr>
+        <p:cNvPr id="1" name=""/>
+        <p:cNvGrpSpPr/>
+        <p:nvPr/>
+      </p:nvGrpSpPr>
+      <p:grpSpPr>
+        <a:xfrm>
+          <a:off x="0" y="0"/>
+          <a:ext cx="0" cy="0"/>
+          <a:chOff x="0" y="0"/>
+          <a:chExt cx="0" cy="0"/>
+        </a:xfrm>
+      </p:grpSpPr>
+      <p:pic>
+        <p:nvPicPr>
+          <p:cNvPr id="7" name="Grafik 6">
+            <a:extLst>
+              <a:ext uri="{FF2B5EF4-FFF2-40B4-BE49-F238E27FC236}">
+                <a16:creationId xmlns:a16="http://schemas.microsoft.com/office/drawing/2014/main" id="{2731C568-4686-46A3-8218-DB3905237D7F}"/>
+              </a:ext>
+            </a:extLst>
+          </p:cNvPr>
+          <p:cNvPicPr>
+            <a:picLocks noChangeAspect="1"/>
+          </p:cNvPicPr>
+          <p:nvPr/>
+        </p:nvPicPr>
+        <p:blipFill>
+          <a:blip r:embed="rId2">
+            <a:extLst>
+              <a:ext uri="{28A0092B-C50C-407E-A947-70E740481C1C}">
+                <a14:useLocalDpi xmlns:a14="http://schemas.microsoft.com/office/drawing/2010/main" val="0"/>
+              </a:ext>
+            </a:extLst>
+          </a:blip>
+          <a:stretch>
+            <a:fillRect/>
+          </a:stretch>
+        </p:blipFill>
+        <p:spPr>
+          <a:xfrm>
+            <a:off x="-273242" y="675118"/>
+            <a:ext cx="8996400" cy="5997600"/>
+          </a:xfrm>
+          <a:prstGeom prst="rect">
+            <a:avLst/>
+          </a:prstGeom>
+        </p:spPr>
+      </p:pic>
+      <p:sp>
+        <p:nvSpPr>
+          <p:cNvPr id="2" name="Rechteck 1">
+            <a:extLst>
+              <a:ext uri="{FF2B5EF4-FFF2-40B4-BE49-F238E27FC236}">
+                <a16:creationId xmlns:a16="http://schemas.microsoft.com/office/drawing/2014/main" id="{EDA688F5-BE83-4452-9A0B-16B7F72B6EA8}"/>
+              </a:ext>
+            </a:extLst>
+          </p:cNvPr>
+          <p:cNvSpPr/>
+          <p:nvPr/>
+        </p:nvSpPr>
+        <p:spPr>
+          <a:xfrm>
+            <a:off x="6644081" y="5213615"/>
+            <a:ext cx="1140902" cy="687898"/>
+          </a:xfrm>
+          <a:prstGeom prst="rect">
+            <a:avLst/>
+          </a:prstGeom>
+          <a:solidFill>
+            <a:schemeClr val="bg1"/>
+          </a:solidFill>
+          <a:ln>
+            <a:solidFill>
+              <a:schemeClr val="bg1"/>
+            </a:solidFill>
+          </a:ln>
+        </p:spPr>
+        <p:style>
+          <a:lnRef idx="2">
+            <a:schemeClr val="accent1">
+              <a:shade val="50000"/>
+            </a:schemeClr>
+          </a:lnRef>
+          <a:fillRef idx="1">
+            <a:schemeClr val="accent1"/>
+          </a:fillRef>
+          <a:effectRef idx="0">
+            <a:schemeClr val="accent1"/>
+          </a:effectRef>
+          <a:fontRef idx="minor">
+            <a:schemeClr val="lt1"/>
+          </a:fontRef>
+        </p:style>
+        <p:txBody>
+          <a:bodyPr rtlCol="0" anchor="ctr"/>
+          <a:lstStyle/>
+          <a:p>
+            <a:pPr algn="ctr"/>
+            <a:endParaRPr lang="de-DE"/>
+          </a:p>
+        </p:txBody>
+      </p:sp>
+      <p:pic>
+        <p:nvPicPr>
+          <p:cNvPr id="5" name="Inhaltsplatzhalter 4">
+            <a:extLst>
+              <a:ext uri="{FF2B5EF4-FFF2-40B4-BE49-F238E27FC236}">
+                <a16:creationId xmlns:a16="http://schemas.microsoft.com/office/drawing/2014/main" id="{D0534F94-0CFC-4F2B-9FEF-6F2B53C3FAC8}"/>
+              </a:ext>
+            </a:extLst>
+          </p:cNvPr>
+          <p:cNvPicPr>
+            <a:picLocks noGrp="1" noChangeAspect="1"/>
+          </p:cNvPicPr>
+          <p:nvPr>
+            <p:ph idx="1"/>
+          </p:nvPr>
+        </p:nvPicPr>
+        <p:blipFill>
+          <a:blip r:embed="rId3">
+            <a:extLst>
+              <a:ext uri="{28A0092B-C50C-407E-A947-70E740481C1C}">
+                <a14:useLocalDpi xmlns:a14="http://schemas.microsoft.com/office/drawing/2010/main" val="0"/>
+              </a:ext>
+            </a:extLst>
+          </a:blip>
+          <a:stretch>
+            <a:fillRect/>
+          </a:stretch>
+        </p:blipFill>
+        <p:spPr>
+          <a:xfrm>
+            <a:off x="5817098" y="2986208"/>
+            <a:ext cx="4090918" cy="2727278"/>
+          </a:xfrm>
+        </p:spPr>
+      </p:pic>
+    </p:spTree>
+    <p:extLst>
+      <p:ext uri="{BB962C8B-B14F-4D97-AF65-F5344CB8AC3E}">
+        <p14:creationId xmlns:p14="http://schemas.microsoft.com/office/powerpoint/2010/main" val="1421115819"/>
       </p:ext>
     </p:extLst>
   </p:cSld>

--- a/tex/fig/slidesss.pptx
+++ b/tex/fig/slidesss.pptx
@@ -287,7 +287,7 @@
           <a:p>
             <a:fld id="{6875E868-0794-4BDD-BF98-B5ECD2204977}" type="datetimeFigureOut">
               <a:rPr lang="de-DE" smtClean="0"/>
-              <a:t>12.01.2019</a:t>
+              <a:t>13.01.2019</a:t>
             </a:fld>
             <a:endParaRPr lang="de-DE"/>
           </a:p>
@@ -485,7 +485,7 @@
           <a:p>
             <a:fld id="{6875E868-0794-4BDD-BF98-B5ECD2204977}" type="datetimeFigureOut">
               <a:rPr lang="de-DE" smtClean="0"/>
-              <a:t>12.01.2019</a:t>
+              <a:t>13.01.2019</a:t>
             </a:fld>
             <a:endParaRPr lang="de-DE"/>
           </a:p>
@@ -693,7 +693,7 @@
           <a:p>
             <a:fld id="{6875E868-0794-4BDD-BF98-B5ECD2204977}" type="datetimeFigureOut">
               <a:rPr lang="de-DE" smtClean="0"/>
-              <a:t>12.01.2019</a:t>
+              <a:t>13.01.2019</a:t>
             </a:fld>
             <a:endParaRPr lang="de-DE"/>
           </a:p>
@@ -891,7 +891,7 @@
           <a:p>
             <a:fld id="{6875E868-0794-4BDD-BF98-B5ECD2204977}" type="datetimeFigureOut">
               <a:rPr lang="de-DE" smtClean="0"/>
-              <a:t>12.01.2019</a:t>
+              <a:t>13.01.2019</a:t>
             </a:fld>
             <a:endParaRPr lang="de-DE"/>
           </a:p>
@@ -1166,7 +1166,7 @@
           <a:p>
             <a:fld id="{6875E868-0794-4BDD-BF98-B5ECD2204977}" type="datetimeFigureOut">
               <a:rPr lang="de-DE" smtClean="0"/>
-              <a:t>12.01.2019</a:t>
+              <a:t>13.01.2019</a:t>
             </a:fld>
             <a:endParaRPr lang="de-DE"/>
           </a:p>
@@ -1431,7 +1431,7 @@
           <a:p>
             <a:fld id="{6875E868-0794-4BDD-BF98-B5ECD2204977}" type="datetimeFigureOut">
               <a:rPr lang="de-DE" smtClean="0"/>
-              <a:t>12.01.2019</a:t>
+              <a:t>13.01.2019</a:t>
             </a:fld>
             <a:endParaRPr lang="de-DE"/>
           </a:p>
@@ -1843,7 +1843,7 @@
           <a:p>
             <a:fld id="{6875E868-0794-4BDD-BF98-B5ECD2204977}" type="datetimeFigureOut">
               <a:rPr lang="de-DE" smtClean="0"/>
-              <a:t>12.01.2019</a:t>
+              <a:t>13.01.2019</a:t>
             </a:fld>
             <a:endParaRPr lang="de-DE"/>
           </a:p>
@@ -1984,7 +1984,7 @@
           <a:p>
             <a:fld id="{6875E868-0794-4BDD-BF98-B5ECD2204977}" type="datetimeFigureOut">
               <a:rPr lang="de-DE" smtClean="0"/>
-              <a:t>12.01.2019</a:t>
+              <a:t>13.01.2019</a:t>
             </a:fld>
             <a:endParaRPr lang="de-DE"/>
           </a:p>
@@ -2097,7 +2097,7 @@
           <a:p>
             <a:fld id="{6875E868-0794-4BDD-BF98-B5ECD2204977}" type="datetimeFigureOut">
               <a:rPr lang="de-DE" smtClean="0"/>
-              <a:t>12.01.2019</a:t>
+              <a:t>13.01.2019</a:t>
             </a:fld>
             <a:endParaRPr lang="de-DE"/>
           </a:p>
@@ -2408,7 +2408,7 @@
           <a:p>
             <a:fld id="{6875E868-0794-4BDD-BF98-B5ECD2204977}" type="datetimeFigureOut">
               <a:rPr lang="de-DE" smtClean="0"/>
-              <a:t>12.01.2019</a:t>
+              <a:t>13.01.2019</a:t>
             </a:fld>
             <a:endParaRPr lang="de-DE"/>
           </a:p>
@@ -2696,7 +2696,7 @@
           <a:p>
             <a:fld id="{6875E868-0794-4BDD-BF98-B5ECD2204977}" type="datetimeFigureOut">
               <a:rPr lang="de-DE" smtClean="0"/>
-              <a:t>12.01.2019</a:t>
+              <a:t>13.01.2019</a:t>
             </a:fld>
             <a:endParaRPr lang="de-DE"/>
           </a:p>
@@ -2937,7 +2937,7 @@
           <a:p>
             <a:fld id="{6875E868-0794-4BDD-BF98-B5ECD2204977}" type="datetimeFigureOut">
               <a:rPr lang="de-DE" smtClean="0"/>
-              <a:t>12.01.2019</a:t>
+              <a:t>13.01.2019</a:t>
             </a:fld>
             <a:endParaRPr lang="de-DE"/>
           </a:p>

--- a/tex/fig/slidesss.pptx
+++ b/tex/fig/slidesss.pptx
@@ -21,7 +21,7 @@
     <p:sldId id="272" r:id="rId15"/>
     <p:sldId id="274" r:id="rId16"/>
     <p:sldId id="275" r:id="rId17"/>
-    <p:sldId id="277" r:id="rId18"/>
+    <p:sldId id="278" r:id="rId18"/>
   </p:sldIdLst>
   <p:sldSz cx="12192000" cy="6858000"/>
   <p:notesSz cx="6858000" cy="9144000"/>
@@ -287,7 +287,7 @@
           <a:p>
             <a:fld id="{6875E868-0794-4BDD-BF98-B5ECD2204977}" type="datetimeFigureOut">
               <a:rPr lang="de-DE" smtClean="0"/>
-              <a:t>13.01.2019</a:t>
+              <a:t>16.01.2019</a:t>
             </a:fld>
             <a:endParaRPr lang="de-DE"/>
           </a:p>
@@ -485,7 +485,7 @@
           <a:p>
             <a:fld id="{6875E868-0794-4BDD-BF98-B5ECD2204977}" type="datetimeFigureOut">
               <a:rPr lang="de-DE" smtClean="0"/>
-              <a:t>13.01.2019</a:t>
+              <a:t>16.01.2019</a:t>
             </a:fld>
             <a:endParaRPr lang="de-DE"/>
           </a:p>
@@ -693,7 +693,7 @@
           <a:p>
             <a:fld id="{6875E868-0794-4BDD-BF98-B5ECD2204977}" type="datetimeFigureOut">
               <a:rPr lang="de-DE" smtClean="0"/>
-              <a:t>13.01.2019</a:t>
+              <a:t>16.01.2019</a:t>
             </a:fld>
             <a:endParaRPr lang="de-DE"/>
           </a:p>
@@ -891,7 +891,7 @@
           <a:p>
             <a:fld id="{6875E868-0794-4BDD-BF98-B5ECD2204977}" type="datetimeFigureOut">
               <a:rPr lang="de-DE" smtClean="0"/>
-              <a:t>13.01.2019</a:t>
+              <a:t>16.01.2019</a:t>
             </a:fld>
             <a:endParaRPr lang="de-DE"/>
           </a:p>
@@ -1166,7 +1166,7 @@
           <a:p>
             <a:fld id="{6875E868-0794-4BDD-BF98-B5ECD2204977}" type="datetimeFigureOut">
               <a:rPr lang="de-DE" smtClean="0"/>
-              <a:t>13.01.2019</a:t>
+              <a:t>16.01.2019</a:t>
             </a:fld>
             <a:endParaRPr lang="de-DE"/>
           </a:p>
@@ -1431,7 +1431,7 @@
           <a:p>
             <a:fld id="{6875E868-0794-4BDD-BF98-B5ECD2204977}" type="datetimeFigureOut">
               <a:rPr lang="de-DE" smtClean="0"/>
-              <a:t>13.01.2019</a:t>
+              <a:t>16.01.2019</a:t>
             </a:fld>
             <a:endParaRPr lang="de-DE"/>
           </a:p>
@@ -1843,7 +1843,7 @@
           <a:p>
             <a:fld id="{6875E868-0794-4BDD-BF98-B5ECD2204977}" type="datetimeFigureOut">
               <a:rPr lang="de-DE" smtClean="0"/>
-              <a:t>13.01.2019</a:t>
+              <a:t>16.01.2019</a:t>
             </a:fld>
             <a:endParaRPr lang="de-DE"/>
           </a:p>
@@ -1984,7 +1984,7 @@
           <a:p>
             <a:fld id="{6875E868-0794-4BDD-BF98-B5ECD2204977}" type="datetimeFigureOut">
               <a:rPr lang="de-DE" smtClean="0"/>
-              <a:t>13.01.2019</a:t>
+              <a:t>16.01.2019</a:t>
             </a:fld>
             <a:endParaRPr lang="de-DE"/>
           </a:p>
@@ -2097,7 +2097,7 @@
           <a:p>
             <a:fld id="{6875E868-0794-4BDD-BF98-B5ECD2204977}" type="datetimeFigureOut">
               <a:rPr lang="de-DE" smtClean="0"/>
-              <a:t>13.01.2019</a:t>
+              <a:t>16.01.2019</a:t>
             </a:fld>
             <a:endParaRPr lang="de-DE"/>
           </a:p>
@@ -2408,7 +2408,7 @@
           <a:p>
             <a:fld id="{6875E868-0794-4BDD-BF98-B5ECD2204977}" type="datetimeFigureOut">
               <a:rPr lang="de-DE" smtClean="0"/>
-              <a:t>13.01.2019</a:t>
+              <a:t>16.01.2019</a:t>
             </a:fld>
             <a:endParaRPr lang="de-DE"/>
           </a:p>
@@ -2696,7 +2696,7 @@
           <a:p>
             <a:fld id="{6875E868-0794-4BDD-BF98-B5ECD2204977}" type="datetimeFigureOut">
               <a:rPr lang="de-DE" smtClean="0"/>
-              <a:t>13.01.2019</a:t>
+              <a:t>16.01.2019</a:t>
             </a:fld>
             <a:endParaRPr lang="de-DE"/>
           </a:p>
@@ -2937,7 +2937,7 @@
           <a:p>
             <a:fld id="{6875E868-0794-4BDD-BF98-B5ECD2204977}" type="datetimeFigureOut">
               <a:rPr lang="de-DE" smtClean="0"/>
-              <a:t>13.01.2019</a:t>
+              <a:t>16.01.2019</a:t>
             </a:fld>
             <a:endParaRPr lang="de-DE"/>
           </a:p>
@@ -12523,7 +12523,7 @@
           <p:cNvPr id="7" name="Grafik 6">
             <a:extLst>
               <a:ext uri="{FF2B5EF4-FFF2-40B4-BE49-F238E27FC236}">
-                <a16:creationId xmlns:a16="http://schemas.microsoft.com/office/drawing/2014/main" id="{2731C568-4686-46A3-8218-DB3905237D7F}"/>
+                <a16:creationId xmlns:a16="http://schemas.microsoft.com/office/drawing/2014/main" id="{A108D623-9759-4AA9-B83F-E2DD83CC6259}"/>
               </a:ext>
             </a:extLst>
           </p:cNvPr>
@@ -12546,74 +12546,20 @@
         </p:blipFill>
         <p:spPr>
           <a:xfrm>
-            <a:off x="-273242" y="675118"/>
-            <a:ext cx="8996400" cy="5997600"/>
+            <a:off x="219198" y="907715"/>
+            <a:ext cx="8229600" cy="5486400"/>
           </a:xfrm>
           <a:prstGeom prst="rect">
             <a:avLst/>
           </a:prstGeom>
         </p:spPr>
       </p:pic>
-      <p:sp>
-        <p:nvSpPr>
-          <p:cNvPr id="2" name="Rechteck 1">
-            <a:extLst>
-              <a:ext uri="{FF2B5EF4-FFF2-40B4-BE49-F238E27FC236}">
-                <a16:creationId xmlns:a16="http://schemas.microsoft.com/office/drawing/2014/main" id="{EDA688F5-BE83-4452-9A0B-16B7F72B6EA8}"/>
-              </a:ext>
-            </a:extLst>
-          </p:cNvPr>
-          <p:cNvSpPr/>
-          <p:nvPr/>
-        </p:nvSpPr>
-        <p:spPr>
-          <a:xfrm>
-            <a:off x="6644081" y="5213615"/>
-            <a:ext cx="1140902" cy="687898"/>
-          </a:xfrm>
-          <a:prstGeom prst="rect">
-            <a:avLst/>
-          </a:prstGeom>
-          <a:solidFill>
-            <a:schemeClr val="bg1"/>
-          </a:solidFill>
-          <a:ln>
-            <a:solidFill>
-              <a:schemeClr val="bg1"/>
-            </a:solidFill>
-          </a:ln>
-        </p:spPr>
-        <p:style>
-          <a:lnRef idx="2">
-            <a:schemeClr val="accent1">
-              <a:shade val="50000"/>
-            </a:schemeClr>
-          </a:lnRef>
-          <a:fillRef idx="1">
-            <a:schemeClr val="accent1"/>
-          </a:fillRef>
-          <a:effectRef idx="0">
-            <a:schemeClr val="accent1"/>
-          </a:effectRef>
-          <a:fontRef idx="minor">
-            <a:schemeClr val="lt1"/>
-          </a:fontRef>
-        </p:style>
-        <p:txBody>
-          <a:bodyPr rtlCol="0" anchor="ctr"/>
-          <a:lstStyle/>
-          <a:p>
-            <a:pPr algn="ctr"/>
-            <a:endParaRPr lang="de-DE"/>
-          </a:p>
-        </p:txBody>
-      </p:sp>
       <p:pic>
         <p:nvPicPr>
           <p:cNvPr id="5" name="Inhaltsplatzhalter 4">
             <a:extLst>
               <a:ext uri="{FF2B5EF4-FFF2-40B4-BE49-F238E27FC236}">
-                <a16:creationId xmlns:a16="http://schemas.microsoft.com/office/drawing/2014/main" id="{D0534F94-0CFC-4F2B-9FEF-6F2B53C3FAC8}"/>
+                <a16:creationId xmlns:a16="http://schemas.microsoft.com/office/drawing/2014/main" id="{D7C09BD6-E7F7-47B5-B72D-E2B99936D392}"/>
               </a:ext>
             </a:extLst>
           </p:cNvPr>
@@ -12638,15 +12584,15 @@
         </p:blipFill>
         <p:spPr>
           <a:xfrm>
-            <a:off x="5817098" y="2986208"/>
-            <a:ext cx="4090918" cy="2727278"/>
+            <a:off x="5833784" y="3293261"/>
+            <a:ext cx="3600773" cy="2400515"/>
           </a:xfrm>
         </p:spPr>
       </p:pic>
     </p:spTree>
     <p:extLst>
       <p:ext uri="{BB962C8B-B14F-4D97-AF65-F5344CB8AC3E}">
-        <p14:creationId xmlns:p14="http://schemas.microsoft.com/office/powerpoint/2010/main" val="1421115819"/>
+        <p14:creationId xmlns:p14="http://schemas.microsoft.com/office/powerpoint/2010/main" val="2384429678"/>
       </p:ext>
     </p:extLst>
   </p:cSld>
